--- a/Presentación14-04-16.pptx
+++ b/Presentación14-04-16.pptx
@@ -32066,12 +32066,7 @@
             <p:ph type="title"/>
           </p:nvPr>
         </p:nvSpPr>
-        <p:spPr>
-          <a:xfrm>
-            <a:off x="611560" y="692696"/>
-            <a:ext cx="7772400" cy="1143000"/>
-          </a:xfrm>
-        </p:spPr>
+        <p:spPr/>
         <p:txBody>
           <a:bodyPr/>
           <a:lstStyle/>
@@ -32113,17 +32108,12 @@
             <p:ph idx="1"/>
           </p:nvPr>
         </p:nvSpPr>
-        <p:spPr>
-          <a:xfrm>
-            <a:off x="827584" y="1988840"/>
-            <a:ext cx="7772400" cy="4114800"/>
-          </a:xfrm>
-        </p:spPr>
+        <p:spPr/>
         <p:txBody>
           <a:bodyPr/>
           <a:lstStyle/>
           <a:p>
-            <a:pPr marL="0" indent="0" algn="just">
+            <a:pPr marL="0" indent="0">
               <a:buNone/>
             </a:pPr>
             <a:r>
@@ -32150,7 +32140,6 @@
             </a:r>
           </a:p>
           <a:p>
-            <a:pPr algn="just"/>
             <a:endParaRPr lang="es-ES" dirty="0"/>
           </a:p>
         </p:txBody>
@@ -32244,7 +32233,7 @@
         </p:blipFill>
         <p:spPr>
           <a:xfrm>
-            <a:off x="954287" y="1628800"/>
+            <a:off x="954287" y="1772816"/>
             <a:ext cx="7722169" cy="4752528"/>
           </a:xfrm>
         </p:spPr>
@@ -32363,7 +32352,7 @@
         </p:nvSpPr>
         <p:spPr>
           <a:xfrm>
-            <a:off x="683568" y="260648"/>
+            <a:off x="1115616" y="116632"/>
             <a:ext cx="7772400" cy="1440160"/>
           </a:xfrm>
         </p:spPr>
@@ -32391,7 +32380,7 @@
         </p:nvSpPr>
         <p:spPr>
           <a:xfrm>
-            <a:off x="683568" y="1772816"/>
+            <a:off x="1254125" y="1772816"/>
             <a:ext cx="7772400" cy="4323184"/>
           </a:xfrm>
         </p:spPr>
@@ -32399,7 +32388,7 @@
           <a:bodyPr/>
           <a:lstStyle/>
           <a:p>
-            <a:pPr marL="0" indent="0" algn="just">
+            <a:pPr marL="0" indent="0">
               <a:buNone/>
             </a:pPr>
             <a:r>
@@ -32510,33 +32499,10 @@
                 <a:ea typeface="+mn-ea"/>
                 <a:cs typeface="+mn-cs"/>
               </a:rPr>
-              <a:t>de ellos, una vez seleccionado  el </a:t>
-            </a:r>
-            <a:r>
-              <a:rPr lang="es-ES" sz="2000" dirty="0" smtClean="0">
-                <a:solidFill>
-                  <a:schemeClr val="tx1"/>
-                </a:solidFill>
-                <a:latin typeface="+mn-lt"/>
-                <a:ea typeface="+mn-ea"/>
-                <a:cs typeface="+mn-cs"/>
-              </a:rPr>
-              <a:t>restaurante, </a:t>
-            </a:r>
-            <a:r>
-              <a:rPr lang="es-ES" sz="2000" dirty="0">
-                <a:solidFill>
-                  <a:schemeClr val="tx1"/>
-                </a:solidFill>
-                <a:latin typeface="+mn-lt"/>
-                <a:ea typeface="+mn-ea"/>
-                <a:cs typeface="+mn-cs"/>
-              </a:rPr>
-              <a:t>se desplegará una interfaz con las opciones del menú donde el cliente por medio de imágenes con sus respectivas descripciones optara por su plato de preferencia. Una vez seleccionado el menú el cliente tiene como opción marcar si su pedido será a domicilio o si pasara a retirar. Realizado esto aparecerán los datos personales con la lista de pedido que ha hecho el cliente con sus respectivos precios y el monto total a abonar. Si el cliente está de acuerdo presiona el botón para confirmar su pedido y se le mostrara un mensaje de recepción y confirmación. </a:t>
+              <a:t>de ellos, una vez seleccionado  el restaurante se desplegará una interfaz con las opciones del menú donde el cliente por medio de imágenes con sus respectivas descripciones optara por su plato de preferencia. Una vez seleccionado el menú el cliente tiene como opción marcar si su pedido será a domicilio o si pasara a retirar. Realizado esto aparecerán los datos personales con la lista de pedido que ha hecho el cliente con sus respectivos precios y el monto total a abonar. Si el cliente está de acuerdo presiona el botón para confirmar su pedido y se le mostrara un mensaje de recepción y confirmación. </a:t>
             </a:r>
           </a:p>
           <a:p>
-            <a:pPr algn="just"/>
             <a:endParaRPr lang="es-ES" dirty="0"/>
           </a:p>
         </p:txBody>
@@ -32682,12 +32648,7 @@
             <p:ph type="title"/>
           </p:nvPr>
         </p:nvSpPr>
-        <p:spPr>
-          <a:xfrm>
-            <a:off x="755576" y="404664"/>
-            <a:ext cx="7772400" cy="1143000"/>
-          </a:xfrm>
-        </p:spPr>
+        <p:spPr/>
         <p:txBody>
           <a:bodyPr/>
           <a:lstStyle/>
@@ -32766,7 +32727,7 @@
         </p:nvSpPr>
         <p:spPr>
           <a:xfrm>
-            <a:off x="827584" y="1700808"/>
+            <a:off x="1187624" y="1988840"/>
             <a:ext cx="7772400" cy="4402832"/>
           </a:xfrm>
         </p:spPr>
@@ -32789,8 +32750,13 @@
             </a:r>
             <a:r>
               <a:rPr lang="es-ES" sz="1600" dirty="0" smtClean="0"/>
-              <a:t>Sistema.</a:t>
+              <a:t>Sistema</a:t>
             </a:r>
+            <a:r>
+              <a:rPr lang="es-ES" sz="1600" dirty="0" smtClean="0"/>
+              <a:t>.</a:t>
+            </a:r>
+            <a:endParaRPr lang="es-ES" sz="1600" dirty="0" smtClean="0"/>
           </a:p>
           <a:p>
             <a:pPr marL="0" indent="0">
@@ -32804,8 +32770,33 @@
           <a:p>
             <a:r>
               <a:rPr lang="es-ES" sz="1600" dirty="0" smtClean="0"/>
-              <a:t> No representa un costo muy elevado .</a:t>
+              <a:t>No </a:t>
             </a:r>
+            <a:r>
+              <a:rPr lang="es-ES" sz="1600" dirty="0" smtClean="0"/>
+              <a:t>representa un costo muy elevado </a:t>
+            </a:r>
+            <a:r>
+              <a:rPr lang="es-ES" sz="1600" dirty="0" smtClean="0"/>
+              <a:t>.</a:t>
+            </a:r>
+          </a:p>
+          <a:p>
+            <a:r>
+              <a:rPr lang="es-ES" sz="1600" dirty="0"/>
+              <a:t>Contamos con el tiempo debido  de los involucrados para el desarrollo.</a:t>
+            </a:r>
+          </a:p>
+          <a:p>
+            <a:r>
+              <a:rPr lang="es-ES" sz="1600" dirty="0" smtClean="0"/>
+              <a:t>Como es un proyecto universitario no tendrá </a:t>
+            </a:r>
+            <a:r>
+              <a:rPr lang="es-ES" sz="1600" smtClean="0"/>
+              <a:t>ningún costo.</a:t>
+            </a:r>
+            <a:endParaRPr lang="es-ES" sz="1600" dirty="0" smtClean="0"/>
           </a:p>
           <a:p>
             <a:pPr marL="0" indent="0">

--- a/Presentación14-04-16.pptx
+++ b/Presentación14-04-16.pptx
@@ -32066,7 +32066,12 @@
             <p:ph type="title"/>
           </p:nvPr>
         </p:nvSpPr>
-        <p:spPr/>
+        <p:spPr>
+          <a:xfrm>
+            <a:off x="611560" y="692696"/>
+            <a:ext cx="7772400" cy="1143000"/>
+          </a:xfrm>
+        </p:spPr>
         <p:txBody>
           <a:bodyPr/>
           <a:lstStyle/>
@@ -32108,12 +32113,17 @@
             <p:ph idx="1"/>
           </p:nvPr>
         </p:nvSpPr>
-        <p:spPr/>
+        <p:spPr>
+          <a:xfrm>
+            <a:off x="827584" y="1988840"/>
+            <a:ext cx="7772400" cy="4114800"/>
+          </a:xfrm>
+        </p:spPr>
         <p:txBody>
           <a:bodyPr/>
           <a:lstStyle/>
           <a:p>
-            <a:pPr marL="0" indent="0">
+            <a:pPr marL="0" indent="0" algn="just">
               <a:buNone/>
             </a:pPr>
             <a:r>
@@ -32140,6 +32150,7 @@
             </a:r>
           </a:p>
           <a:p>
+            <a:pPr algn="just"/>
             <a:endParaRPr lang="es-ES" dirty="0"/>
           </a:p>
         </p:txBody>
@@ -32233,7 +32244,7 @@
         </p:blipFill>
         <p:spPr>
           <a:xfrm>
-            <a:off x="954287" y="1772816"/>
+            <a:off x="954287" y="1628800"/>
             <a:ext cx="7722169" cy="4752528"/>
           </a:xfrm>
         </p:spPr>
@@ -32352,7 +32363,7 @@
         </p:nvSpPr>
         <p:spPr>
           <a:xfrm>
-            <a:off x="1115616" y="116632"/>
+            <a:off x="683568" y="260648"/>
             <a:ext cx="7772400" cy="1440160"/>
           </a:xfrm>
         </p:spPr>
@@ -32380,7 +32391,7 @@
         </p:nvSpPr>
         <p:spPr>
           <a:xfrm>
-            <a:off x="1254125" y="1772816"/>
+            <a:off x="683568" y="1772816"/>
             <a:ext cx="7772400" cy="4323184"/>
           </a:xfrm>
         </p:spPr>
@@ -32388,7 +32399,7 @@
           <a:bodyPr/>
           <a:lstStyle/>
           <a:p>
-            <a:pPr marL="0" indent="0">
+            <a:pPr marL="0" indent="0" algn="just">
               <a:buNone/>
             </a:pPr>
             <a:r>
@@ -32499,10 +32510,33 @@
                 <a:ea typeface="+mn-ea"/>
                 <a:cs typeface="+mn-cs"/>
               </a:rPr>
-              <a:t>de ellos, una vez seleccionado  el restaurante se desplegará una interfaz con las opciones del menú donde el cliente por medio de imágenes con sus respectivas descripciones optara por su plato de preferencia. Una vez seleccionado el menú el cliente tiene como opción marcar si su pedido será a domicilio o si pasara a retirar. Realizado esto aparecerán los datos personales con la lista de pedido que ha hecho el cliente con sus respectivos precios y el monto total a abonar. Si el cliente está de acuerdo presiona el botón para confirmar su pedido y se le mostrara un mensaje de recepción y confirmación. </a:t>
+              <a:t>de ellos, una vez seleccionado  el </a:t>
+            </a:r>
+            <a:r>
+              <a:rPr lang="es-ES" sz="2000" dirty="0" smtClean="0">
+                <a:solidFill>
+                  <a:schemeClr val="tx1"/>
+                </a:solidFill>
+                <a:latin typeface="+mn-lt"/>
+                <a:ea typeface="+mn-ea"/>
+                <a:cs typeface="+mn-cs"/>
+              </a:rPr>
+              <a:t>restaurante, </a:t>
+            </a:r>
+            <a:r>
+              <a:rPr lang="es-ES" sz="2000" dirty="0">
+                <a:solidFill>
+                  <a:schemeClr val="tx1"/>
+                </a:solidFill>
+                <a:latin typeface="+mn-lt"/>
+                <a:ea typeface="+mn-ea"/>
+                <a:cs typeface="+mn-cs"/>
+              </a:rPr>
+              <a:t>se desplegará una interfaz con las opciones del menú donde el cliente por medio de imágenes con sus respectivas descripciones optara por su plato de preferencia. Una vez seleccionado el menú el cliente tiene como opción marcar si su pedido será a domicilio o si pasara a retirar. Realizado esto aparecerán los datos personales con la lista de pedido que ha hecho el cliente con sus respectivos precios y el monto total a abonar. Si el cliente está de acuerdo presiona el botón para confirmar su pedido y se le mostrara un mensaje de recepción y confirmación. </a:t>
             </a:r>
           </a:p>
           <a:p>
+            <a:pPr algn="just"/>
             <a:endParaRPr lang="es-ES" dirty="0"/>
           </a:p>
         </p:txBody>
@@ -32648,7 +32682,12 @@
             <p:ph type="title"/>
           </p:nvPr>
         </p:nvSpPr>
-        <p:spPr/>
+        <p:spPr>
+          <a:xfrm>
+            <a:off x="755576" y="404664"/>
+            <a:ext cx="7772400" cy="1143000"/>
+          </a:xfrm>
+        </p:spPr>
         <p:txBody>
           <a:bodyPr/>
           <a:lstStyle/>
@@ -32727,7 +32766,7 @@
         </p:nvSpPr>
         <p:spPr>
           <a:xfrm>
-            <a:off x="1187624" y="1988840"/>
+            <a:off x="827584" y="1700808"/>
             <a:ext cx="7772400" cy="4402832"/>
           </a:xfrm>
         </p:spPr>

--- a/Presentación14-04-16.pptx
+++ b/Presentación14-04-16.pptx
@@ -32352,7 +32352,7 @@
         </p:nvSpPr>
         <p:spPr>
           <a:xfrm>
-            <a:off x="1115616" y="116632"/>
+            <a:off x="539552" y="188640"/>
             <a:ext cx="7772400" cy="1440160"/>
           </a:xfrm>
         </p:spPr>
@@ -32380,7 +32380,7 @@
         </p:nvSpPr>
         <p:spPr>
           <a:xfrm>
-            <a:off x="1254125" y="1772816"/>
+            <a:off x="467544" y="1772816"/>
             <a:ext cx="7772400" cy="4323184"/>
           </a:xfrm>
         </p:spPr>
@@ -32388,7 +32388,7 @@
           <a:bodyPr/>
           <a:lstStyle/>
           <a:p>
-            <a:pPr marL="0" indent="0">
+            <a:pPr marL="0" indent="0" algn="just">
               <a:buNone/>
             </a:pPr>
             <a:r>
@@ -32503,6 +32503,7 @@
             </a:r>
           </a:p>
           <a:p>
+            <a:pPr algn="just"/>
             <a:endParaRPr lang="es-ES" dirty="0"/>
           </a:p>
         </p:txBody>
@@ -32648,7 +32649,12 @@
             <p:ph type="title"/>
           </p:nvPr>
         </p:nvSpPr>
-        <p:spPr/>
+        <p:spPr>
+          <a:xfrm>
+            <a:off x="539552" y="404664"/>
+            <a:ext cx="7772400" cy="1143000"/>
+          </a:xfrm>
+        </p:spPr>
         <p:txBody>
           <a:bodyPr/>
           <a:lstStyle/>
@@ -32727,7 +32733,7 @@
         </p:nvSpPr>
         <p:spPr>
           <a:xfrm>
-            <a:off x="1187624" y="1988840"/>
+            <a:off x="755576" y="1700808"/>
             <a:ext cx="7772400" cy="4402832"/>
           </a:xfrm>
         </p:spPr>
@@ -32744,19 +32750,35 @@
             </a:r>
           </a:p>
           <a:p>
+            <a:pPr algn="just"/>
             <a:r>
               <a:rPr lang="es-ES" sz="1600" dirty="0"/>
-              <a:t>Con el conocimiento obtenido y existe gran cantidad de recursos y guías para el desarrollo de </a:t>
+              <a:t>Se a evaluado la opción de escoger el lenguaje de programación de Ruby </a:t>
             </a:r>
             <a:r>
-              <a:rPr lang="es-ES" sz="1600" dirty="0" smtClean="0"/>
-              <a:t>Sistema</a:t>
+              <a:rPr lang="es-ES" sz="1600" dirty="0" err="1"/>
+              <a:t>on</a:t>
             </a:r>
             <a:r>
-              <a:rPr lang="es-ES" sz="1600" dirty="0" smtClean="0"/>
-              <a:t>.</a:t>
+              <a:rPr lang="es-ES" sz="1600" dirty="0"/>
+              <a:t> </a:t>
             </a:r>
-            <a:endParaRPr lang="es-ES" sz="1600" dirty="0" smtClean="0"/>
+            <a:r>
+              <a:rPr lang="es-ES" sz="1600" dirty="0" err="1"/>
+              <a:t>Rails</a:t>
+            </a:r>
+            <a:r>
+              <a:rPr lang="es-ES" sz="1600" dirty="0"/>
+              <a:t> (</a:t>
+            </a:r>
+            <a:r>
+              <a:rPr lang="es-ES" sz="1600" dirty="0" err="1"/>
+              <a:t>RoR</a:t>
+            </a:r>
+            <a:r>
+              <a:rPr lang="es-ES" sz="1600" dirty="0"/>
+              <a:t>) por el hecho de que la mayoría de los integrantes del grupo poseen un conocimiento básico, dispuestos en aprender e innovar y además porque ofrece una inmensa librerías (gemas) que nos facilitara muchas cosas en el momento de desarrollar el sistema. </a:t>
+            </a:r>
           </a:p>
           <a:p>
             <a:pPr marL="0" indent="0">
@@ -32766,19 +32788,12 @@
               <a:rPr lang="es-ES" sz="1800" b="1" dirty="0" smtClean="0"/>
               <a:t>Económicamente</a:t>
             </a:r>
+            <a:endParaRPr lang="es-ES" sz="1800" b="1" dirty="0" smtClean="0"/>
           </a:p>
           <a:p>
             <a:r>
               <a:rPr lang="es-ES" sz="1600" dirty="0" smtClean="0"/>
-              <a:t>No </a:t>
-            </a:r>
-            <a:r>
-              <a:rPr lang="es-ES" sz="1600" dirty="0" smtClean="0"/>
-              <a:t>representa un costo muy elevado </a:t>
-            </a:r>
-            <a:r>
-              <a:rPr lang="es-ES" sz="1600" dirty="0" smtClean="0"/>
-              <a:t>.</a:t>
+              <a:t>No representa un costo muy elevado .</a:t>
             </a:r>
           </a:p>
           <a:p>
@@ -32790,13 +32805,8 @@
           <a:p>
             <a:r>
               <a:rPr lang="es-ES" sz="1600" dirty="0" smtClean="0"/>
-              <a:t>Como es un proyecto universitario no tendrá </a:t>
+              <a:t>Como es un proyecto universitario no tendrá ningún costo.</a:t>
             </a:r>
-            <a:r>
-              <a:rPr lang="es-ES" sz="1600" smtClean="0"/>
-              <a:t>ningún costo.</a:t>
-            </a:r>
-            <a:endParaRPr lang="es-ES" sz="1600" dirty="0" smtClean="0"/>
           </a:p>
           <a:p>
             <a:pPr marL="0" indent="0">
@@ -32809,13 +32819,17 @@
             <a:endParaRPr lang="es-ES" sz="1800" b="1" dirty="0"/>
           </a:p>
           <a:p>
-            <a:r>
-              <a:rPr lang="es-ES" sz="1600" dirty="0" smtClean="0"/>
-              <a:t>Es factible el sistema que vamos a desarrollar porque tiene como propósito mejorar </a:t>
-            </a:r>
+            <a:pPr algn="just"/>
             <a:r>
               <a:rPr lang="es-ES" sz="1600" dirty="0"/>
-              <a:t>el servicio de </a:t>
+              <a:t>Cuenta con los recursos humanos preparados y la infraestructura necesarias para desarrollar dicho sistema.</a:t>
+            </a:r>
+          </a:p>
+          <a:p>
+            <a:pPr algn="just"/>
+            <a:r>
+              <a:rPr lang="es-ES" sz="1600" dirty="0"/>
+              <a:t>De acuerdo al análisis realizado hemos comprobado que el sistema de “</a:t>
             </a:r>
             <a:r>
               <a:rPr lang="es-ES" sz="1600" dirty="0" err="1"/>
@@ -32823,17 +32837,13 @@
             </a:r>
             <a:r>
               <a:rPr lang="es-ES" sz="1600" dirty="0"/>
-              <a:t> y aumentar las </a:t>
+              <a:t>”  a desarrollar es </a:t>
             </a:r>
             <a:r>
               <a:rPr lang="es-ES" sz="1600" dirty="0" smtClean="0"/>
-              <a:t>ventas</a:t>
+              <a:t>viable. </a:t>
             </a:r>
-            <a:r>
-              <a:rPr lang="es-ES" sz="1600" dirty="0"/>
-              <a:t>.</a:t>
-            </a:r>
-            <a:endParaRPr lang="es-ES" sz="1600" dirty="0" smtClean="0"/>
+            <a:endParaRPr lang="es-ES" sz="1600" dirty="0"/>
           </a:p>
           <a:p>
             <a:pPr marL="0" indent="0">
@@ -32847,64 +32857,9 @@
             </a:pPr>
             <a:r>
               <a:rPr lang="es-ES" sz="1800" dirty="0" smtClean="0"/>
-              <a:t>	Después </a:t>
-            </a:r>
-            <a:r>
-              <a:rPr lang="es-ES" sz="1800" dirty="0"/>
-              <a:t>de realizar el análisis se concluye que es viable el </a:t>
-            </a:r>
-            <a:endParaRPr lang="es-ES" sz="1800" dirty="0" smtClean="0"/>
-          </a:p>
-          <a:p>
-            <a:pPr marL="0" indent="0">
-              <a:buNone/>
-            </a:pPr>
-            <a:r>
-              <a:rPr lang="es-ES" sz="1800" dirty="0"/>
               <a:t>	</a:t>
             </a:r>
-            <a:r>
-              <a:rPr lang="es-ES" sz="1800" dirty="0" smtClean="0"/>
-              <a:t>desarrollo </a:t>
-            </a:r>
-            <a:r>
-              <a:rPr lang="es-ES" sz="1800" dirty="0"/>
-              <a:t>e implementación del Sistema  “</a:t>
-            </a:r>
-            <a:r>
-              <a:rPr lang="es-ES" sz="1800" dirty="0" err="1"/>
-              <a:t>DeliverYApp</a:t>
-            </a:r>
-            <a:r>
-              <a:rPr lang="es-ES" sz="1800" dirty="0"/>
-              <a:t> </a:t>
-            </a:r>
-            <a:endParaRPr lang="es-ES" sz="1800" dirty="0" smtClean="0"/>
-          </a:p>
-          <a:p>
-            <a:pPr marL="0" indent="0">
-              <a:buNone/>
-            </a:pPr>
-            <a:r>
-              <a:rPr lang="es-ES" sz="1800" dirty="0"/>
-              <a:t>	</a:t>
-            </a:r>
-            <a:r>
-              <a:rPr lang="es-ES" sz="1800" dirty="0" smtClean="0"/>
-              <a:t>ya </a:t>
-            </a:r>
-            <a:r>
-              <a:rPr lang="es-ES" sz="1800" dirty="0"/>
-              <a:t>que se dispone de </a:t>
-            </a:r>
-            <a:r>
-              <a:rPr lang="es-ES" sz="1800" dirty="0" smtClean="0"/>
-              <a:t>los recursos </a:t>
-            </a:r>
-            <a:r>
-              <a:rPr lang="es-ES" sz="1800" dirty="0"/>
-              <a:t>necesarios para llevarla a cabo. </a:t>
-            </a:r>
+            <a:endParaRPr lang="es-ES" sz="1800" dirty="0"/>
           </a:p>
           <a:p>
             <a:endParaRPr lang="es-ES" dirty="0"/>
